--- a/esitys/esitys.pptx
+++ b/esitys/esitys.pptx
@@ -112,7 +112,20 @@
       </a:defRPr>
     </a:lvl9pPr>
   </p:defaultTextStyle>
+  <p:extLst>
+    <p:ext uri="{EFAFB233-063F-42B5-8137-9DF3F51BA10A}">
+      <p15:sldGuideLst xmlns:p15="http://schemas.microsoft.com/office/powerpoint/2012/main"/>
+    </p:ext>
+  </p:extLst>
 </p:presentation>
+</file>
+
+<file path=ppt/revisionInfo.xml><?xml version="1.0" encoding="utf-8"?>
+<p1510:revInfo xmlns:a="http://schemas.openxmlformats.org/drawingml/2006/main" xmlns:r="http://schemas.openxmlformats.org/officeDocument/2006/relationships" xmlns:p1510="http://schemas.microsoft.com/office/powerpoint/2015/10/main">
+  <p1510:revLst>
+    <p1510:client id="{5D50235C-7221-415C-93BF-119C8F144D15}" v="1" dt="2020-05-13T08:34:27.039"/>
+  </p1510:revLst>
+</p1510:revInfo>
 </file>
 
 <file path=ppt/slideLayouts/slideLayout1.xml><?xml version="1.0" encoding="utf-8"?>
@@ -270,7 +283,7 @@
           <a:p>
             <a:fld id="{CA430C0A-5464-4FE4-84EB-FF9C94016DF4}" type="datetimeFigureOut">
               <a:rPr lang="en-US" dirty="0"/>
-              <a:t>5/11/2020</a:t>
+              <a:t>5/13/2020</a:t>
             </a:fld>
             <a:endParaRPr lang="en-US" dirty="0"/>
           </a:p>
@@ -436,7 +449,7 @@
           <a:p>
             <a:fld id="{E9F9C37B-1D36-470B-8223-D6C91242EC14}" type="datetimeFigureOut">
               <a:rPr lang="en-US" dirty="0"/>
-              <a:t>5/11/2020</a:t>
+              <a:t>5/13/2020</a:t>
             </a:fld>
             <a:endParaRPr lang="en-US" dirty="0"/>
           </a:p>
@@ -611,7 +624,7 @@
           <a:p>
             <a:fld id="{67C6F52A-A82B-47A2-A83A-8C4C91F2D59F}" type="datetimeFigureOut">
               <a:rPr lang="en-US" dirty="0"/>
-              <a:t>5/11/2020</a:t>
+              <a:t>5/13/2020</a:t>
             </a:fld>
             <a:endParaRPr lang="en-US" dirty="0"/>
           </a:p>
@@ -776,7 +789,7 @@
           <a:p>
             <a:fld id="{F070A7B3-6521-4DCA-87E5-044747A908C1}" type="datetimeFigureOut">
               <a:rPr lang="en-US" dirty="0"/>
-              <a:t>5/11/2020</a:t>
+              <a:t>5/13/2020</a:t>
             </a:fld>
             <a:endParaRPr lang="en-US" dirty="0"/>
           </a:p>
@@ -1032,7 +1045,7 @@
           <a:p>
             <a:fld id="{360C6404-AD6E-4860-8E75-697CA40B95DA}" type="datetimeFigureOut">
               <a:rPr lang="en-US" dirty="0"/>
-              <a:t>5/11/2020</a:t>
+              <a:t>5/13/2020</a:t>
             </a:fld>
             <a:endParaRPr lang="en-US" dirty="0"/>
           </a:p>
@@ -1260,7 +1273,7 @@
           <a:p>
             <a:fld id="{AB134690-1557-4C89-A502-4959FE7FAD70}" type="datetimeFigureOut">
               <a:rPr lang="en-US" dirty="0"/>
-              <a:t>5/11/2020</a:t>
+              <a:t>5/13/2020</a:t>
             </a:fld>
             <a:endParaRPr lang="en-US" dirty="0"/>
           </a:p>
@@ -1610,7 +1623,7 @@
           <a:p>
             <a:fld id="{4F7D4976-E339-4826-83B7-FBD03F55ECF8}" type="datetimeFigureOut">
               <a:rPr lang="en-US" dirty="0"/>
-              <a:t>5/11/2020</a:t>
+              <a:t>5/13/2020</a:t>
             </a:fld>
             <a:endParaRPr lang="en-US" dirty="0"/>
           </a:p>
@@ -1746,7 +1759,7 @@
           <a:p>
             <a:fld id="{E1037C31-9E7A-4F99-8774-A0E530DE1A42}" type="datetimeFigureOut">
               <a:rPr lang="en-US" dirty="0"/>
-              <a:t>5/11/2020</a:t>
+              <a:t>5/13/2020</a:t>
             </a:fld>
             <a:endParaRPr lang="en-US" dirty="0"/>
           </a:p>
@@ -1836,7 +1849,7 @@
           <a:p>
             <a:fld id="{C278504F-A551-4DE0-9316-4DCD1D8CC752}" type="datetimeFigureOut">
               <a:rPr lang="en-US" dirty="0"/>
-              <a:t>5/11/2020</a:t>
+              <a:t>5/13/2020</a:t>
             </a:fld>
             <a:endParaRPr lang="en-US" dirty="0"/>
           </a:p>
@@ -2188,7 +2201,7 @@
           <a:p>
             <a:fld id="{D1BE4249-C0D0-4B06-8692-E8BB871AF643}" type="datetimeFigureOut">
               <a:rPr lang="en-US" dirty="0"/>
-              <a:t>5/11/2020</a:t>
+              <a:t>5/13/2020</a:t>
             </a:fld>
             <a:endParaRPr lang="en-US" dirty="0"/>
           </a:p>
@@ -2501,7 +2514,7 @@
           <a:p>
             <a:fld id="{042B0DB6-F5C7-45FB-8CF3-31B45F9C2DAC}" type="datetimeFigureOut">
               <a:rPr lang="en-US" dirty="0"/>
-              <a:t>5/11/2020</a:t>
+              <a:t>5/13/2020</a:t>
             </a:fld>
             <a:endParaRPr lang="en-US" dirty="0"/>
           </a:p>
@@ -2741,7 +2754,7 @@
           <a:p>
             <a:fld id="{1160EA64-D806-43AC-9DF2-F8C432F32B4C}" type="datetimeFigureOut">
               <a:rPr lang="en-US" dirty="0"/>
-              <a:t>5/11/2020</a:t>
+              <a:t>5/13/2020</a:t>
             </a:fld>
             <a:endParaRPr lang="en-US" dirty="0"/>
           </a:p>
@@ -4524,7 +4537,7 @@
         </p:spPr>
         <p:txBody>
           <a:bodyPr>
-            <a:normAutofit fontScale="92500" lnSpcReduction="20000"/>
+            <a:normAutofit fontScale="92500" lnSpcReduction="10000"/>
           </a:bodyPr>
           <a:lstStyle/>
           <a:p>
@@ -4726,49 +4739,6 @@
             <a:r>
               <a:rPr lang="fi-FI" dirty="0"/>
               <a:t>…</a:t>
-            </a:r>
-          </a:p>
-          <a:p>
-            <a:pPr lvl="1"/>
-            <a:r>
-              <a:rPr lang="fi-FI" dirty="0" err="1"/>
-              <a:t>First</a:t>
-            </a:r>
-            <a:r>
-              <a:rPr lang="fi-FI" dirty="0"/>
-              <a:t> </a:t>
-            </a:r>
-            <a:r>
-              <a:rPr lang="fi-FI" dirty="0" err="1"/>
-              <a:t>about</a:t>
-            </a:r>
-            <a:r>
-              <a:rPr lang="fi-FI" dirty="0"/>
-              <a:t> 80 </a:t>
-            </a:r>
-            <a:r>
-              <a:rPr lang="fi-FI" dirty="0" err="1"/>
-              <a:t>categories</a:t>
-            </a:r>
-            <a:r>
-              <a:rPr lang="fi-FI" dirty="0"/>
-              <a:t>, </a:t>
-            </a:r>
-            <a:r>
-              <a:rPr lang="fi-FI" dirty="0" err="1"/>
-              <a:t>after</a:t>
-            </a:r>
-            <a:r>
-              <a:rPr lang="fi-FI" dirty="0"/>
-              <a:t> </a:t>
-            </a:r>
-            <a:r>
-              <a:rPr lang="fi-FI" dirty="0" err="1"/>
-              <a:t>combining</a:t>
-            </a:r>
-            <a:r>
-              <a:rPr lang="fi-FI" dirty="0"/>
-              <a:t> 18</a:t>
             </a:r>
           </a:p>
           <a:p>
@@ -4999,6 +4969,50 @@
           </a:prstGeom>
         </p:spPr>
       </p:pic>
+      <p:sp>
+        <p:nvSpPr>
+          <p:cNvPr id="5" name="Tekstiruutu 4">
+            <a:extLst>
+              <a:ext uri="{FF2B5EF4-FFF2-40B4-BE49-F238E27FC236}">
+                <a16:creationId xmlns:a16="http://schemas.microsoft.com/office/drawing/2014/main" id="{0E5E6593-B0CB-430A-88AE-35E4C57E979C}"/>
+              </a:ext>
+            </a:extLst>
+          </p:cNvPr>
+          <p:cNvSpPr txBox="1"/>
+          <p:nvPr/>
+        </p:nvSpPr>
+        <p:spPr>
+          <a:xfrm>
+            <a:off x="9562993" y="6066198"/>
+            <a:ext cx="2176558" cy="369332"/>
+          </a:xfrm>
+          <a:prstGeom prst="rect">
+            <a:avLst/>
+          </a:prstGeom>
+          <a:noFill/>
+        </p:spPr>
+        <p:txBody>
+          <a:bodyPr wrap="none" rtlCol="0">
+            <a:spAutoFit/>
+          </a:bodyPr>
+          <a:lstStyle/>
+          <a:p>
+            <a:r>
+              <a:rPr lang="fi-FI" dirty="0" err="1"/>
+              <a:t>Combined</a:t>
+            </a:r>
+            <a:r>
+              <a:rPr lang="fi-FI" dirty="0"/>
+              <a:t> </a:t>
+            </a:r>
+            <a:r>
+              <a:rPr lang="fi-FI" dirty="0" err="1"/>
+              <a:t>categories</a:t>
+            </a:r>
+            <a:endParaRPr lang="fi-FI" dirty="0"/>
+          </a:p>
+        </p:txBody>
+      </p:sp>
     </p:spTree>
     <p:extLst>
       <p:ext uri="{BB962C8B-B14F-4D97-AF65-F5344CB8AC3E}">

--- a/esitys/esitys.pptx
+++ b/esitys/esitys.pptx
@@ -16,8 +16,9 @@
     <p:sldId id="264" r:id="rId10"/>
     <p:sldId id="265" r:id="rId11"/>
     <p:sldId id="266" r:id="rId12"/>
-    <p:sldId id="267" r:id="rId13"/>
-    <p:sldId id="268" r:id="rId14"/>
+    <p:sldId id="269" r:id="rId13"/>
+    <p:sldId id="267" r:id="rId14"/>
+    <p:sldId id="268" r:id="rId15"/>
   </p:sldIdLst>
   <p:sldSz cx="12192000" cy="6858000"/>
   <p:notesSz cx="6858000" cy="9144000"/>
@@ -127,9 +128,100 @@
 <file path=ppt/revisionInfo.xml><?xml version="1.0" encoding="utf-8"?>
 <p1510:revInfo xmlns:a="http://schemas.openxmlformats.org/drawingml/2006/main" xmlns:r="http://schemas.openxmlformats.org/officeDocument/2006/relationships" xmlns:p1510="http://schemas.microsoft.com/office/powerpoint/2015/10/main">
   <p1510:revLst>
-    <p1510:client id="{5D50235C-7221-415C-93BF-119C8F144D15}" v="1" dt="2020-05-13T08:34:27.039"/>
+    <p1510:client id="{5D50235C-7221-415C-93BF-119C8F144D15}" v="110" dt="2020-05-14T07:57:19.254"/>
   </p1510:revLst>
 </p1510:revInfo>
+</file>
+
+<file path=ppt/changesInfos/changesInfo1.xml><?xml version="1.0" encoding="utf-8"?>
+<pc:chgInfo xmlns:a="http://schemas.openxmlformats.org/drawingml/2006/main" xmlns:r="http://schemas.openxmlformats.org/officeDocument/2006/relationships" xmlns:ac="http://schemas.microsoft.com/office/drawing/2013/main/command" xmlns:pc="http://schemas.microsoft.com/office/powerpoint/2013/main/command">
+  <pc:docChgLst>
+    <pc:chgData name="Petra Puumala" userId="7a91ff2ac1325ed9" providerId="LiveId" clId="{5D50235C-7221-415C-93BF-119C8F144D15}"/>
+    <pc:docChg chg="undo custSel addSld modSld">
+      <pc:chgData name="Petra Puumala" userId="7a91ff2ac1325ed9" providerId="LiveId" clId="{5D50235C-7221-415C-93BF-119C8F144D15}" dt="2020-05-14T08:14:15.136" v="211" actId="20577"/>
+      <pc:docMkLst>
+        <pc:docMk/>
+      </pc:docMkLst>
+      <pc:sldChg chg="modSp">
+        <pc:chgData name="Petra Puumala" userId="7a91ff2ac1325ed9" providerId="LiveId" clId="{5D50235C-7221-415C-93BF-119C8F144D15}" dt="2020-05-14T07:54:37.295" v="106" actId="20577"/>
+        <pc:sldMkLst>
+          <pc:docMk/>
+          <pc:sldMk cId="4087645678" sldId="264"/>
+        </pc:sldMkLst>
+        <pc:graphicFrameChg chg="mod">
+          <ac:chgData name="Petra Puumala" userId="7a91ff2ac1325ed9" providerId="LiveId" clId="{5D50235C-7221-415C-93BF-119C8F144D15}" dt="2020-05-14T07:54:37.295" v="106" actId="20577"/>
+          <ac:graphicFrameMkLst>
+            <pc:docMk/>
+            <pc:sldMk cId="4087645678" sldId="264"/>
+            <ac:graphicFrameMk id="5" creationId="{0239163A-D959-4642-9FF2-44C837F274BF}"/>
+          </ac:graphicFrameMkLst>
+        </pc:graphicFrameChg>
+      </pc:sldChg>
+      <pc:sldChg chg="modSp mod">
+        <pc:chgData name="Petra Puumala" userId="7a91ff2ac1325ed9" providerId="LiveId" clId="{5D50235C-7221-415C-93BF-119C8F144D15}" dt="2020-05-14T08:14:15.136" v="211" actId="20577"/>
+        <pc:sldMkLst>
+          <pc:docMk/>
+          <pc:sldMk cId="900787564" sldId="267"/>
+        </pc:sldMkLst>
+        <pc:spChg chg="mod">
+          <ac:chgData name="Petra Puumala" userId="7a91ff2ac1325ed9" providerId="LiveId" clId="{5D50235C-7221-415C-93BF-119C8F144D15}" dt="2020-05-14T08:14:15.136" v="211" actId="20577"/>
+          <ac:spMkLst>
+            <pc:docMk/>
+            <pc:sldMk cId="900787564" sldId="267"/>
+            <ac:spMk id="3" creationId="{C0520B0C-7081-4201-B87F-EF01506A645B}"/>
+          </ac:spMkLst>
+        </pc:spChg>
+      </pc:sldChg>
+      <pc:sldChg chg="addSp delSp modSp add mod">
+        <pc:chgData name="Petra Puumala" userId="7a91ff2ac1325ed9" providerId="LiveId" clId="{5D50235C-7221-415C-93BF-119C8F144D15}" dt="2020-05-14T07:57:30.428" v="126" actId="1076"/>
+        <pc:sldMkLst>
+          <pc:docMk/>
+          <pc:sldMk cId="2346164813" sldId="269"/>
+        </pc:sldMkLst>
+        <pc:spChg chg="mod">
+          <ac:chgData name="Petra Puumala" userId="7a91ff2ac1325ed9" providerId="LiveId" clId="{5D50235C-7221-415C-93BF-119C8F144D15}" dt="2020-05-14T07:55:21.961" v="120" actId="20577"/>
+          <ac:spMkLst>
+            <pc:docMk/>
+            <pc:sldMk cId="2346164813" sldId="269"/>
+            <ac:spMk id="2" creationId="{3066E01C-6CAD-4548-8ABB-C00E242B2AEE}"/>
+          </ac:spMkLst>
+        </pc:spChg>
+        <pc:spChg chg="add del mod">
+          <ac:chgData name="Petra Puumala" userId="7a91ff2ac1325ed9" providerId="LiveId" clId="{5D50235C-7221-415C-93BF-119C8F144D15}" dt="2020-05-14T07:57:19.254" v="123" actId="931"/>
+          <ac:spMkLst>
+            <pc:docMk/>
+            <pc:sldMk cId="2346164813" sldId="269"/>
+            <ac:spMk id="4" creationId="{F70912F0-C693-485E-A357-A0286AE78975}"/>
+          </ac:spMkLst>
+        </pc:spChg>
+        <pc:picChg chg="add mod">
+          <ac:chgData name="Petra Puumala" userId="7a91ff2ac1325ed9" providerId="LiveId" clId="{5D50235C-7221-415C-93BF-119C8F144D15}" dt="2020-05-14T07:57:30.428" v="126" actId="1076"/>
+          <ac:picMkLst>
+            <pc:docMk/>
+            <pc:sldMk cId="2346164813" sldId="269"/>
+            <ac:picMk id="6" creationId="{360FD4ED-9E45-4AD5-974E-10E06654CC17}"/>
+          </ac:picMkLst>
+        </pc:picChg>
+        <pc:picChg chg="del">
+          <ac:chgData name="Petra Puumala" userId="7a91ff2ac1325ed9" providerId="LiveId" clId="{5D50235C-7221-415C-93BF-119C8F144D15}" dt="2020-05-14T07:55:26.092" v="122" actId="478"/>
+          <ac:picMkLst>
+            <pc:docMk/>
+            <pc:sldMk cId="2346164813" sldId="269"/>
+            <ac:picMk id="9" creationId="{174C4E01-2BC0-4205-9149-07E09F1BBBA8}"/>
+          </ac:picMkLst>
+        </pc:picChg>
+        <pc:picChg chg="del">
+          <ac:chgData name="Petra Puumala" userId="7a91ff2ac1325ed9" providerId="LiveId" clId="{5D50235C-7221-415C-93BF-119C8F144D15}" dt="2020-05-14T07:55:24.517" v="121" actId="478"/>
+          <ac:picMkLst>
+            <pc:docMk/>
+            <pc:sldMk cId="2346164813" sldId="269"/>
+            <ac:picMk id="10" creationId="{7FD8C8E7-BC63-4FC2-9E3F-DD661E8642D8}"/>
+          </ac:picMkLst>
+        </pc:picChg>
+      </pc:sldChg>
+    </pc:docChg>
+  </pc:docChgLst>
+</pc:chgInfo>
 </file>
 
 <file path=ppt/diagrams/colors1.xml><?xml version="1.0" encoding="utf-8"?>
@@ -2179,8 +2271,72 @@
             <a:defRPr cap="all"/>
           </a:pPr>
           <a:r>
+            <a:rPr lang="fi-FI" dirty="0" err="1"/>
+            <a:t>We</a:t>
+          </a:r>
+          <a:r>
             <a:rPr lang="fi-FI" dirty="0"/>
-            <a:t>We made association rules from the preprocessed data</a:t>
+            <a:t> </a:t>
+          </a:r>
+          <a:r>
+            <a:rPr lang="fi-FI" dirty="0" err="1"/>
+            <a:t>searched</a:t>
+          </a:r>
+          <a:r>
+            <a:rPr lang="fi-FI" dirty="0"/>
+            <a:t> </a:t>
+          </a:r>
+          <a:r>
+            <a:rPr lang="fi-FI" dirty="0" err="1"/>
+            <a:t>frequent</a:t>
+          </a:r>
+          <a:r>
+            <a:rPr lang="fi-FI" dirty="0"/>
+            <a:t> </a:t>
+          </a:r>
+          <a:r>
+            <a:rPr lang="fi-FI" dirty="0" err="1"/>
+            <a:t>itemsets</a:t>
+          </a:r>
+          <a:r>
+            <a:rPr lang="fi-FI" dirty="0"/>
+            <a:t> </a:t>
+          </a:r>
+          <a:r>
+            <a:rPr lang="fi-FI" dirty="0" err="1"/>
+            <a:t>from</a:t>
+          </a:r>
+          <a:r>
+            <a:rPr lang="fi-FI" dirty="0"/>
+            <a:t> </a:t>
+          </a:r>
+          <a:r>
+            <a:rPr lang="fi-FI" dirty="0" err="1"/>
+            <a:t>the</a:t>
+          </a:r>
+          <a:r>
+            <a:rPr lang="fi-FI" dirty="0"/>
+            <a:t> data </a:t>
+          </a:r>
+          <a:r>
+            <a:rPr lang="fi-FI" dirty="0" err="1"/>
+            <a:t>with</a:t>
+          </a:r>
+          <a:r>
+            <a:rPr lang="fi-FI" dirty="0"/>
+            <a:t> </a:t>
+          </a:r>
+          <a:r>
+            <a:rPr lang="fi-FI" dirty="0" err="1"/>
+            <a:t>apriori</a:t>
+          </a:r>
+          <a:r>
+            <a:rPr lang="fi-FI" dirty="0"/>
+            <a:t> </a:t>
+          </a:r>
+          <a:r>
+            <a:rPr lang="fi-FI" dirty="0" err="1"/>
+            <a:t>algorithm</a:t>
           </a:r>
           <a:endParaRPr lang="en-US" dirty="0"/>
         </a:p>
@@ -3084,8 +3240,72 @@
             <a:defRPr cap="all"/>
           </a:pPr>
           <a:r>
+            <a:rPr lang="fi-FI" sz="1700" kern="1200" dirty="0" err="1"/>
+            <a:t>We</a:t>
+          </a:r>
+          <a:r>
             <a:rPr lang="fi-FI" sz="1700" kern="1200" dirty="0"/>
-            <a:t>We made association rules from the preprocessed data</a:t>
+            <a:t> </a:t>
+          </a:r>
+          <a:r>
+            <a:rPr lang="fi-FI" sz="1700" kern="1200" dirty="0" err="1"/>
+            <a:t>searched</a:t>
+          </a:r>
+          <a:r>
+            <a:rPr lang="fi-FI" sz="1700" kern="1200" dirty="0"/>
+            <a:t> </a:t>
+          </a:r>
+          <a:r>
+            <a:rPr lang="fi-FI" sz="1700" kern="1200" dirty="0" err="1"/>
+            <a:t>frequent</a:t>
+          </a:r>
+          <a:r>
+            <a:rPr lang="fi-FI" sz="1700" kern="1200" dirty="0"/>
+            <a:t> </a:t>
+          </a:r>
+          <a:r>
+            <a:rPr lang="fi-FI" sz="1700" kern="1200" dirty="0" err="1"/>
+            <a:t>itemsets</a:t>
+          </a:r>
+          <a:r>
+            <a:rPr lang="fi-FI" sz="1700" kern="1200" dirty="0"/>
+            <a:t> </a:t>
+          </a:r>
+          <a:r>
+            <a:rPr lang="fi-FI" sz="1700" kern="1200" dirty="0" err="1"/>
+            <a:t>from</a:t>
+          </a:r>
+          <a:r>
+            <a:rPr lang="fi-FI" sz="1700" kern="1200" dirty="0"/>
+            <a:t> </a:t>
+          </a:r>
+          <a:r>
+            <a:rPr lang="fi-FI" sz="1700" kern="1200" dirty="0" err="1"/>
+            <a:t>the</a:t>
+          </a:r>
+          <a:r>
+            <a:rPr lang="fi-FI" sz="1700" kern="1200" dirty="0"/>
+            <a:t> data </a:t>
+          </a:r>
+          <a:r>
+            <a:rPr lang="fi-FI" sz="1700" kern="1200" dirty="0" err="1"/>
+            <a:t>with</a:t>
+          </a:r>
+          <a:r>
+            <a:rPr lang="fi-FI" sz="1700" kern="1200" dirty="0"/>
+            <a:t> </a:t>
+          </a:r>
+          <a:r>
+            <a:rPr lang="fi-FI" sz="1700" kern="1200" dirty="0" err="1"/>
+            <a:t>apriori</a:t>
+          </a:r>
+          <a:r>
+            <a:rPr lang="fi-FI" sz="1700" kern="1200" dirty="0"/>
+            <a:t> </a:t>
+          </a:r>
+          <a:r>
+            <a:rPr lang="fi-FI" sz="1700" kern="1200" dirty="0" err="1"/>
+            <a:t>algorithm</a:t>
           </a:r>
           <a:endParaRPr lang="en-US" sz="1700" kern="1200" dirty="0"/>
         </a:p>
@@ -7410,7 +7630,7 @@
           <a:p>
             <a:fld id="{1160EA64-D806-43AC-9DF2-F8C432F32B4C}" type="datetimeFigureOut">
               <a:rPr lang="en-US" smtClean="0"/>
-              <a:t>5/13/2020</a:t>
+              <a:t>5/14/2020</a:t>
             </a:fld>
             <a:endParaRPr lang="en-US" dirty="0"/>
           </a:p>
@@ -7708,7 +7928,7 @@
           <a:p>
             <a:fld id="{1160EA64-D806-43AC-9DF2-F8C432F32B4C}" type="datetimeFigureOut">
               <a:rPr lang="en-US" smtClean="0"/>
-              <a:t>5/13/2020</a:t>
+              <a:t>5/14/2020</a:t>
             </a:fld>
             <a:endParaRPr lang="en-US" dirty="0"/>
           </a:p>
@@ -7958,7 +8178,7 @@
           <a:p>
             <a:fld id="{1160EA64-D806-43AC-9DF2-F8C432F32B4C}" type="datetimeFigureOut">
               <a:rPr lang="en-US" smtClean="0"/>
-              <a:t>5/13/2020</a:t>
+              <a:t>5/14/2020</a:t>
             </a:fld>
             <a:endParaRPr lang="en-US" dirty="0"/>
           </a:p>
@@ -8500,7 +8720,7 @@
           <a:p>
             <a:fld id="{1160EA64-D806-43AC-9DF2-F8C432F32B4C}" type="datetimeFigureOut">
               <a:rPr lang="en-US" smtClean="0"/>
-              <a:t>5/13/2020</a:t>
+              <a:t>5/14/2020</a:t>
             </a:fld>
             <a:endParaRPr lang="en-US" dirty="0"/>
           </a:p>
@@ -8750,7 +8970,7 @@
           <a:p>
             <a:fld id="{1160EA64-D806-43AC-9DF2-F8C432F32B4C}" type="datetimeFigureOut">
               <a:rPr lang="en-US" smtClean="0"/>
-              <a:t>5/13/2020</a:t>
+              <a:t>5/14/2020</a:t>
             </a:fld>
             <a:endParaRPr lang="en-US" dirty="0"/>
           </a:p>
@@ -9284,7 +9504,7 @@
           <a:p>
             <a:fld id="{1160EA64-D806-43AC-9DF2-F8C432F32B4C}" type="datetimeFigureOut">
               <a:rPr lang="en-US" smtClean="0"/>
-              <a:t>5/13/2020</a:t>
+              <a:t>5/14/2020</a:t>
             </a:fld>
             <a:endParaRPr lang="en-US" dirty="0"/>
           </a:p>
@@ -9583,7 +9803,7 @@
           <a:p>
             <a:fld id="{1160EA64-D806-43AC-9DF2-F8C432F32B4C}" type="datetimeFigureOut">
               <a:rPr lang="en-US" smtClean="0"/>
-              <a:t>5/13/2020</a:t>
+              <a:t>5/14/2020</a:t>
             </a:fld>
             <a:endParaRPr lang="en-US" dirty="0"/>
           </a:p>
@@ -9759,7 +9979,7 @@
           <a:p>
             <a:fld id="{1160EA64-D806-43AC-9DF2-F8C432F32B4C}" type="datetimeFigureOut">
               <a:rPr lang="en-US" smtClean="0"/>
-              <a:t>5/13/2020</a:t>
+              <a:t>5/14/2020</a:t>
             </a:fld>
             <a:endParaRPr lang="en-US" dirty="0"/>
           </a:p>
@@ -9941,7 +10161,7 @@
           <a:p>
             <a:fld id="{1160EA64-D806-43AC-9DF2-F8C432F32B4C}" type="datetimeFigureOut">
               <a:rPr lang="en-US" smtClean="0"/>
-              <a:t>5/13/2020</a:t>
+              <a:t>5/14/2020</a:t>
             </a:fld>
             <a:endParaRPr lang="en-US" dirty="0"/>
           </a:p>
@@ -10113,7 +10333,7 @@
           <a:p>
             <a:fld id="{1160EA64-D806-43AC-9DF2-F8C432F32B4C}" type="datetimeFigureOut">
               <a:rPr lang="en-US" smtClean="0"/>
-              <a:t>5/13/2020</a:t>
+              <a:t>5/14/2020</a:t>
             </a:fld>
             <a:endParaRPr lang="en-US" dirty="0"/>
           </a:p>
@@ -10366,7 +10586,7 @@
           <a:p>
             <a:fld id="{1160EA64-D806-43AC-9DF2-F8C432F32B4C}" type="datetimeFigureOut">
               <a:rPr lang="en-US" smtClean="0"/>
-              <a:t>5/13/2020</a:t>
+              <a:t>5/14/2020</a:t>
             </a:fld>
             <a:endParaRPr lang="en-US" dirty="0"/>
           </a:p>
@@ -10665,7 +10885,7 @@
           <a:p>
             <a:fld id="{1160EA64-D806-43AC-9DF2-F8C432F32B4C}" type="datetimeFigureOut">
               <a:rPr lang="en-US" smtClean="0"/>
-              <a:t>5/13/2020</a:t>
+              <a:t>5/14/2020</a:t>
             </a:fld>
             <a:endParaRPr lang="en-US" dirty="0"/>
           </a:p>
@@ -11109,7 +11329,7 @@
           <a:p>
             <a:fld id="{1160EA64-D806-43AC-9DF2-F8C432F32B4C}" type="datetimeFigureOut">
               <a:rPr lang="en-US" smtClean="0"/>
-              <a:t>5/13/2020</a:t>
+              <a:t>5/14/2020</a:t>
             </a:fld>
             <a:endParaRPr lang="en-US" dirty="0"/>
           </a:p>
@@ -11229,7 +11449,7 @@
           <a:p>
             <a:fld id="{1160EA64-D806-43AC-9DF2-F8C432F32B4C}" type="datetimeFigureOut">
               <a:rPr lang="en-US" smtClean="0"/>
-              <a:t>5/13/2020</a:t>
+              <a:t>5/14/2020</a:t>
             </a:fld>
             <a:endParaRPr lang="en-US" dirty="0"/>
           </a:p>
@@ -11326,7 +11546,7 @@
           <a:p>
             <a:fld id="{1160EA64-D806-43AC-9DF2-F8C432F32B4C}" type="datetimeFigureOut">
               <a:rPr lang="en-US" smtClean="0"/>
-              <a:t>5/13/2020</a:t>
+              <a:t>5/14/2020</a:t>
             </a:fld>
             <a:endParaRPr lang="en-US" dirty="0"/>
           </a:p>
@@ -11611,7 +11831,7 @@
           <a:p>
             <a:fld id="{1160EA64-D806-43AC-9DF2-F8C432F32B4C}" type="datetimeFigureOut">
               <a:rPr lang="en-US" smtClean="0"/>
-              <a:t>5/13/2020</a:t>
+              <a:t>5/14/2020</a:t>
             </a:fld>
             <a:endParaRPr lang="en-US" dirty="0"/>
           </a:p>
@@ -11904,7 +12124,7 @@
           <a:p>
             <a:fld id="{1160EA64-D806-43AC-9DF2-F8C432F32B4C}" type="datetimeFigureOut">
               <a:rPr lang="en-US" smtClean="0"/>
-              <a:t>5/13/2020</a:t>
+              <a:t>5/14/2020</a:t>
             </a:fld>
             <a:endParaRPr lang="en-US" dirty="0"/>
           </a:p>
@@ -12436,7 +12656,7 @@
           <a:p>
             <a:fld id="{1160EA64-D806-43AC-9DF2-F8C432F32B4C}" type="datetimeFigureOut">
               <a:rPr lang="en-US" smtClean="0"/>
-              <a:t>5/13/2020</a:t>
+              <a:t>5/14/2020</a:t>
             </a:fld>
             <a:endParaRPr lang="en-US" dirty="0"/>
           </a:p>
@@ -13776,6 +13996,129 @@
   <p:cSld>
     <p:bg>
       <p:bgPr>
+        <a:solidFill>
+          <a:schemeClr val="bg1">
+            <a:lumMod val="95000"/>
+          </a:schemeClr>
+        </a:solidFill>
+        <a:effectLst/>
+      </p:bgPr>
+    </p:bg>
+    <p:spTree>
+      <p:nvGrpSpPr>
+        <p:cNvPr id="1" name=""/>
+        <p:cNvGrpSpPr/>
+        <p:nvPr/>
+      </p:nvGrpSpPr>
+      <p:grpSpPr>
+        <a:xfrm>
+          <a:off x="0" y="0"/>
+          <a:ext cx="0" cy="0"/>
+          <a:chOff x="0" y="0"/>
+          <a:chExt cx="0" cy="0"/>
+        </a:xfrm>
+      </p:grpSpPr>
+      <p:sp>
+        <p:nvSpPr>
+          <p:cNvPr id="2" name="Title 1">
+            <a:extLst>
+              <a:ext uri="{FF2B5EF4-FFF2-40B4-BE49-F238E27FC236}">
+                <a16:creationId xmlns:a16="http://schemas.microsoft.com/office/drawing/2014/main" id="{3066E01C-6CAD-4548-8ABB-C00E242B2AEE}"/>
+              </a:ext>
+            </a:extLst>
+          </p:cNvPr>
+          <p:cNvSpPr>
+            <a:spLocks noGrp="1"/>
+          </p:cNvSpPr>
+          <p:nvPr>
+            <p:ph type="title"/>
+          </p:nvPr>
+        </p:nvSpPr>
+        <p:spPr>
+          <a:xfrm>
+            <a:off x="923925" y="1180503"/>
+            <a:ext cx="8991600" cy="2009794"/>
+          </a:xfrm>
+        </p:spPr>
+        <p:txBody>
+          <a:bodyPr vert="horz" lIns="274320" tIns="182880" rIns="274320" bIns="182880" rtlCol="0" anchor="ctr" anchorCtr="1">
+            <a:normAutofit/>
+          </a:bodyPr>
+          <a:lstStyle/>
+          <a:p>
+            <a:r>
+              <a:rPr lang="en-US" dirty="0">
+                <a:solidFill>
+                  <a:srgbClr val="262626"/>
+                </a:solidFill>
+              </a:rPr>
+              <a:t>Results:</a:t>
+            </a:r>
+            <a:br>
+              <a:rPr lang="en-US" dirty="0">
+                <a:solidFill>
+                  <a:srgbClr val="262626"/>
+                </a:solidFill>
+              </a:rPr>
+            </a:br>
+            <a:r>
+              <a:rPr lang="en-US" dirty="0">
+                <a:solidFill>
+                  <a:srgbClr val="262626"/>
+                </a:solidFill>
+              </a:rPr>
+              <a:t>Playing times</a:t>
+            </a:r>
+          </a:p>
+        </p:txBody>
+      </p:sp>
+      <p:pic>
+        <p:nvPicPr>
+          <p:cNvPr id="6" name="Sisällön paikkamerkki 5" descr="Kuva, joka sisältää kohteen näyttökuva&#10;&#10;Kuvaus luotu automaattisesti">
+            <a:extLst>
+              <a:ext uri="{FF2B5EF4-FFF2-40B4-BE49-F238E27FC236}">
+                <a16:creationId xmlns:a16="http://schemas.microsoft.com/office/drawing/2014/main" id="{360FD4ED-9E45-4AD5-974E-10E06654CC17}"/>
+              </a:ext>
+            </a:extLst>
+          </p:cNvPr>
+          <p:cNvPicPr>
+            <a:picLocks noGrp="1" noChangeAspect="1"/>
+          </p:cNvPicPr>
+          <p:nvPr>
+            <p:ph idx="1"/>
+          </p:nvPr>
+        </p:nvPicPr>
+        <p:blipFill>
+          <a:blip r:embed="rId2"/>
+          <a:stretch>
+            <a:fillRect/>
+          </a:stretch>
+        </p:blipFill>
+        <p:spPr>
+          <a:xfrm>
+            <a:off x="2674661" y="3190297"/>
+            <a:ext cx="6842677" cy="3124200"/>
+          </a:xfrm>
+        </p:spPr>
+      </p:pic>
+    </p:spTree>
+    <p:extLst>
+      <p:ext uri="{BB962C8B-B14F-4D97-AF65-F5344CB8AC3E}">
+        <p14:creationId xmlns:p14="http://schemas.microsoft.com/office/powerpoint/2010/main" val="2346164813"/>
+      </p:ext>
+    </p:extLst>
+  </p:cSld>
+  <p:clrMapOvr>
+    <a:masterClrMapping/>
+  </p:clrMapOvr>
+</p:sld>
+</file>
+
+<file path=ppt/slides/slide13.xml><?xml version="1.0" encoding="utf-8"?>
+<p:sld xmlns:a="http://schemas.openxmlformats.org/drawingml/2006/main" xmlns:r="http://schemas.openxmlformats.org/officeDocument/2006/relationships" xmlns:p="http://schemas.openxmlformats.org/presentationml/2006/main">
+  <p:cSld>
+    <p:bg>
+      <p:bgPr>
         <a:blipFill rotWithShape="1">
           <a:blip r:embed="rId2">
             <a:duotone>
@@ -14378,7 +14721,6 @@
               <a:rPr lang="en-GB" dirty="0"/>
               <a:t>Results: Combination</a:t>
             </a:r>
-            <a:endParaRPr lang="en-GB"/>
           </a:p>
         </p:txBody>
       </p:sp>
@@ -14412,7 +14754,14 @@
           <a:p>
             <a:r>
               <a:rPr lang="en-GB" sz="2000" dirty="0"/>
-              <a:t>The only visibly popular combination was Hand Management + Variable Player Powers.</a:t>
+              <a:t>The only visibly popular combination was Dice Rolling + Variable Player Powers.</a:t>
+            </a:r>
+          </a:p>
+          <a:p>
+            <a:pPr lvl="1"/>
+            <a:r>
+              <a:rPr lang="en-GB" sz="1600" dirty="0"/>
+              <a:t>26% of top100 games had this combination</a:t>
             </a:r>
           </a:p>
           <a:p>
@@ -14443,7 +14792,7 @@
 </p:sld>
 </file>
 
-<file path=ppt/slides/slide13.xml><?xml version="1.0" encoding="utf-8"?>
+<file path=ppt/slides/slide14.xml><?xml version="1.0" encoding="utf-8"?>
 <p:sld xmlns:a="http://schemas.openxmlformats.org/drawingml/2006/main" xmlns:r="http://schemas.openxmlformats.org/officeDocument/2006/relationships" xmlns:p="http://schemas.openxmlformats.org/presentationml/2006/main">
   <p:cSld>
     <p:bg>
@@ -18802,7 +19151,7 @@
             <p:ph idx="1"/>
             <p:extLst>
               <p:ext uri="{D42A27DB-BD31-4B8C-83A1-F6EECF244321}">
-                <p14:modId xmlns:p14="http://schemas.microsoft.com/office/powerpoint/2010/main" val="3827194704"/>
+                <p14:modId xmlns:p14="http://schemas.microsoft.com/office/powerpoint/2010/main" val="1906727212"/>
               </p:ext>
             </p:extLst>
           </p:nvPr>
